--- a/ppt/Laravel 101.pptx
+++ b/ppt/Laravel 101.pptx
@@ -324,7 +324,7 @@
             <a:fld id="{6249EE7A-9702-41D4-A9BE-F616D020358B}" type="datetimeFigureOut">
               <a:rPr lang="th-TH" smtClean="0"/>
               <a:pPr/>
-              <a:t>13/03/57</a:t>
+              <a:t>14/03/57</a:t>
             </a:fld>
             <a:endParaRPr lang="th-TH"/>
           </a:p>
@@ -491,7 +491,7 @@
             <a:fld id="{6249EE7A-9702-41D4-A9BE-F616D020358B}" type="datetimeFigureOut">
               <a:rPr lang="th-TH" smtClean="0"/>
               <a:pPr/>
-              <a:t>13/03/57</a:t>
+              <a:t>14/03/57</a:t>
             </a:fld>
             <a:endParaRPr lang="th-TH"/>
           </a:p>
@@ -668,7 +668,7 @@
             <a:fld id="{6249EE7A-9702-41D4-A9BE-F616D020358B}" type="datetimeFigureOut">
               <a:rPr lang="th-TH" smtClean="0"/>
               <a:pPr/>
-              <a:t>13/03/57</a:t>
+              <a:t>14/03/57</a:t>
             </a:fld>
             <a:endParaRPr lang="th-TH"/>
           </a:p>
@@ -835,7 +835,7 @@
             <a:fld id="{6249EE7A-9702-41D4-A9BE-F616D020358B}" type="datetimeFigureOut">
               <a:rPr lang="th-TH" smtClean="0"/>
               <a:pPr/>
-              <a:t>13/03/57</a:t>
+              <a:t>14/03/57</a:t>
             </a:fld>
             <a:endParaRPr lang="th-TH"/>
           </a:p>
@@ -1078,7 +1078,7 @@
             <a:fld id="{6249EE7A-9702-41D4-A9BE-F616D020358B}" type="datetimeFigureOut">
               <a:rPr lang="th-TH" smtClean="0"/>
               <a:pPr/>
-              <a:t>13/03/57</a:t>
+              <a:t>14/03/57</a:t>
             </a:fld>
             <a:endParaRPr lang="th-TH"/>
           </a:p>
@@ -1363,7 +1363,7 @@
             <a:fld id="{6249EE7A-9702-41D4-A9BE-F616D020358B}" type="datetimeFigureOut">
               <a:rPr lang="th-TH" smtClean="0"/>
               <a:pPr/>
-              <a:t>13/03/57</a:t>
+              <a:t>14/03/57</a:t>
             </a:fld>
             <a:endParaRPr lang="th-TH"/>
           </a:p>
@@ -1782,7 +1782,7 @@
             <a:fld id="{6249EE7A-9702-41D4-A9BE-F616D020358B}" type="datetimeFigureOut">
               <a:rPr lang="th-TH" smtClean="0"/>
               <a:pPr/>
-              <a:t>13/03/57</a:t>
+              <a:t>14/03/57</a:t>
             </a:fld>
             <a:endParaRPr lang="th-TH"/>
           </a:p>
@@ -1897,7 +1897,7 @@
             <a:fld id="{6249EE7A-9702-41D4-A9BE-F616D020358B}" type="datetimeFigureOut">
               <a:rPr lang="th-TH" smtClean="0"/>
               <a:pPr/>
-              <a:t>13/03/57</a:t>
+              <a:t>14/03/57</a:t>
             </a:fld>
             <a:endParaRPr lang="th-TH"/>
           </a:p>
@@ -1989,7 +1989,7 @@
             <a:fld id="{6249EE7A-9702-41D4-A9BE-F616D020358B}" type="datetimeFigureOut">
               <a:rPr lang="th-TH" smtClean="0"/>
               <a:pPr/>
-              <a:t>13/03/57</a:t>
+              <a:t>14/03/57</a:t>
             </a:fld>
             <a:endParaRPr lang="th-TH"/>
           </a:p>
@@ -2263,7 +2263,7 @@
             <a:fld id="{6249EE7A-9702-41D4-A9BE-F616D020358B}" type="datetimeFigureOut">
               <a:rPr lang="th-TH" smtClean="0"/>
               <a:pPr/>
-              <a:t>13/03/57</a:t>
+              <a:t>14/03/57</a:t>
             </a:fld>
             <a:endParaRPr lang="th-TH"/>
           </a:p>
@@ -2513,7 +2513,7 @@
             <a:fld id="{6249EE7A-9702-41D4-A9BE-F616D020358B}" type="datetimeFigureOut">
               <a:rPr lang="th-TH" smtClean="0"/>
               <a:pPr/>
-              <a:t>13/03/57</a:t>
+              <a:t>14/03/57</a:t>
             </a:fld>
             <a:endParaRPr lang="th-TH"/>
           </a:p>
@@ -2724,7 +2724,7 @@
             <a:fld id="{6249EE7A-9702-41D4-A9BE-F616D020358B}" type="datetimeFigureOut">
               <a:rPr lang="th-TH" smtClean="0"/>
               <a:pPr/>
-              <a:t>13/03/57</a:t>
+              <a:t>14/03/57</a:t>
             </a:fld>
             <a:endParaRPr lang="th-TH"/>
           </a:p>
@@ -5508,7 +5508,6 @@
               <a:rPr lang="en-US" dirty="0" smtClean="0"/>
               <a:t>Q&amp;A</a:t>
             </a:r>
-            <a:endParaRPr lang="en-US" dirty="0" smtClean="0"/>
           </a:p>
         </p:txBody>
       </p:sp>
@@ -6535,11 +6534,7 @@
             </a:r>
             <a:r>
               <a:rPr lang="en-US" dirty="0" smtClean="0"/>
-              <a:t> to fix </a:t>
-            </a:r>
-            <a:r>
-              <a:rPr lang="en-US" dirty="0" smtClean="0"/>
-              <a:t>that</a:t>
+              <a:t> to fix that</a:t>
             </a:r>
           </a:p>
           <a:p>
@@ -6849,7 +6844,6 @@
               <a:rPr lang="en-US" sz="2400" dirty="0" smtClean="0"/>
               <a:t> Container</a:t>
             </a:r>
-            <a:endParaRPr lang="en-US" sz="2400" dirty="0" smtClean="0"/>
           </a:p>
           <a:p>
             <a:endParaRPr lang="en-US" sz="2400" dirty="0" smtClean="0"/>
@@ -6917,10 +6911,6 @@
               </a:rPr>
               <a:t>\Calculator;</a:t>
             </a:r>
-            <a:endParaRPr lang="en-US" sz="1400" dirty="0" smtClean="0">
-              <a:latin typeface="Courier New" pitchFamily="49" charset="0"/>
-              <a:cs typeface="Courier New" pitchFamily="49" charset="0"/>
-            </a:endParaRPr>
           </a:p>
           <a:p>
             <a:r>
@@ -6937,62 +6927,26 @@
                 <a:latin typeface="Courier New" pitchFamily="49" charset="0"/>
                 <a:cs typeface="Courier New" pitchFamily="49" charset="0"/>
               </a:rPr>
-              <a:t>class </a:t>
-            </a:r>
+              <a:t>class Calculator {</a:t>
+            </a:r>
+          </a:p>
+          <a:p>
             <a:r>
               <a:rPr lang="en-US" sz="1400" dirty="0" smtClean="0">
                 <a:latin typeface="Courier New" pitchFamily="49" charset="0"/>
                 <a:cs typeface="Courier New" pitchFamily="49" charset="0"/>
               </a:rPr>
-              <a:t>Calculator </a:t>
-            </a:r>
+              <a:t>  public static function add($a, $b){</a:t>
+            </a:r>
+          </a:p>
+          <a:p>
             <a:r>
               <a:rPr lang="en-US" sz="1400" dirty="0" smtClean="0">
                 <a:latin typeface="Courier New" pitchFamily="49" charset="0"/>
                 <a:cs typeface="Courier New" pitchFamily="49" charset="0"/>
               </a:rPr>
-              <a:t>{</a:t>
-            </a:r>
-          </a:p>
-          <a:p>
-            <a:r>
-              <a:rPr lang="en-US" sz="1400" dirty="0" smtClean="0">
-                <a:latin typeface="Courier New" pitchFamily="49" charset="0"/>
-                <a:cs typeface="Courier New" pitchFamily="49" charset="0"/>
-              </a:rPr>
-              <a:t>  public static function </a:t>
-            </a:r>
-            <a:r>
-              <a:rPr lang="en-US" sz="1400" dirty="0" smtClean="0">
-                <a:latin typeface="Courier New" pitchFamily="49" charset="0"/>
-                <a:cs typeface="Courier New" pitchFamily="49" charset="0"/>
-              </a:rPr>
-              <a:t>add($a, $b){</a:t>
-            </a:r>
-            <a:endParaRPr lang="en-US" sz="1400" dirty="0" smtClean="0">
-              <a:latin typeface="Courier New" pitchFamily="49" charset="0"/>
-              <a:cs typeface="Courier New" pitchFamily="49" charset="0"/>
-            </a:endParaRPr>
-          </a:p>
-          <a:p>
-            <a:r>
-              <a:rPr lang="en-US" sz="1400" dirty="0" smtClean="0">
-                <a:latin typeface="Courier New" pitchFamily="49" charset="0"/>
-                <a:cs typeface="Courier New" pitchFamily="49" charset="0"/>
-              </a:rPr>
-              <a:t>    return </a:t>
-            </a:r>
-            <a:r>
-              <a:rPr lang="en-US" sz="1400" dirty="0" smtClean="0">
-                <a:latin typeface="Courier New" pitchFamily="49" charset="0"/>
-                <a:cs typeface="Courier New" pitchFamily="49" charset="0"/>
-              </a:rPr>
-              <a:t>$a + $b;</a:t>
-            </a:r>
-            <a:endParaRPr lang="en-US" sz="1400" dirty="0" smtClean="0">
-              <a:latin typeface="Courier New" pitchFamily="49" charset="0"/>
-              <a:cs typeface="Courier New" pitchFamily="49" charset="0"/>
-            </a:endParaRPr>
+              <a:t>    return $a + $b;</a:t>
+            </a:r>
           </a:p>
           <a:p>
             <a:r>
@@ -7133,19 +7087,17 @@
                 <a:latin typeface="Courier New" pitchFamily="49" charset="0"/>
                 <a:cs typeface="Courier New" pitchFamily="49" charset="0"/>
               </a:rPr>
-              <a:t>public function register</a:t>
-            </a:r>
+              <a:t>public function register() {</a:t>
+            </a:r>
+          </a:p>
+          <a:p>
             <a:r>
               <a:rPr lang="en-US" sz="1400" dirty="0" smtClean="0">
                 <a:latin typeface="Courier New" pitchFamily="49" charset="0"/>
                 <a:cs typeface="Courier New" pitchFamily="49" charset="0"/>
               </a:rPr>
-              <a:t>() {</a:t>
-            </a:r>
-            <a:endParaRPr lang="en-US" sz="1400" dirty="0" smtClean="0">
-              <a:latin typeface="Courier New" pitchFamily="49" charset="0"/>
-              <a:cs typeface="Courier New" pitchFamily="49" charset="0"/>
-            </a:endParaRPr>
+              <a:t>  $this-&gt;app[‘calculator’] = $this-&gt;app-&gt;share(function($app)</a:t>
+            </a:r>
           </a:p>
           <a:p>
             <a:r>
@@ -7153,51 +7105,17 @@
                 <a:latin typeface="Courier New" pitchFamily="49" charset="0"/>
                 <a:cs typeface="Courier New" pitchFamily="49" charset="0"/>
               </a:rPr>
-              <a:t>  $this-&gt;app</a:t>
-            </a:r>
+              <a:t>  {</a:t>
+            </a:r>
+          </a:p>
+          <a:p>
             <a:r>
               <a:rPr lang="en-US" sz="1400" dirty="0" smtClean="0">
                 <a:latin typeface="Courier New" pitchFamily="49" charset="0"/>
                 <a:cs typeface="Courier New" pitchFamily="49" charset="0"/>
               </a:rPr>
-              <a:t>[‘calculator’] </a:t>
-            </a:r>
-            <a:r>
-              <a:rPr lang="en-US" sz="1400" dirty="0" smtClean="0">
-                <a:latin typeface="Courier New" pitchFamily="49" charset="0"/>
-                <a:cs typeface="Courier New" pitchFamily="49" charset="0"/>
-              </a:rPr>
-              <a:t>= $this-&gt;app-&gt;share(function($app)</a:t>
-            </a:r>
-          </a:p>
-          <a:p>
-            <a:r>
-              <a:rPr lang="en-US" sz="1400" dirty="0" smtClean="0">
-                <a:latin typeface="Courier New" pitchFamily="49" charset="0"/>
-                <a:cs typeface="Courier New" pitchFamily="49" charset="0"/>
-              </a:rPr>
-              <a:t>  {</a:t>
-            </a:r>
-          </a:p>
-          <a:p>
-            <a:r>
-              <a:rPr lang="en-US" sz="1400" dirty="0" smtClean="0">
-                <a:latin typeface="Courier New" pitchFamily="49" charset="0"/>
-                <a:cs typeface="Courier New" pitchFamily="49" charset="0"/>
-              </a:rPr>
-              <a:t>    return new </a:t>
-            </a:r>
-            <a:r>
-              <a:rPr lang="en-US" sz="1400" dirty="0" smtClean="0">
-                <a:latin typeface="Courier New" pitchFamily="49" charset="0"/>
-                <a:cs typeface="Courier New" pitchFamily="49" charset="0"/>
-              </a:rPr>
-              <a:t>Calculator;</a:t>
-            </a:r>
-            <a:endParaRPr lang="en-US" sz="1400" dirty="0" smtClean="0">
-              <a:latin typeface="Courier New" pitchFamily="49" charset="0"/>
-              <a:cs typeface="Courier New" pitchFamily="49" charset="0"/>
-            </a:endParaRPr>
+              <a:t>    return new Calculator;</a:t>
+            </a:r>
           </a:p>
           <a:p>
             <a:r>
@@ -7346,7 +7264,6 @@
               <a:rPr lang="en-US" sz="2400" i="1" dirty="0" smtClean="0"/>
               <a:t>/app.php file</a:t>
             </a:r>
-            <a:endParaRPr lang="en-US" sz="2400" i="1" dirty="0" smtClean="0"/>
           </a:p>
           <a:p>
             <a:endParaRPr lang="en-US" sz="2400" dirty="0" smtClean="0"/>
@@ -7418,14 +7335,16 @@
                 <a:latin typeface="Courier New" pitchFamily="49" charset="0"/>
                 <a:cs typeface="Courier New" pitchFamily="49" charset="0"/>
               </a:rPr>
-              <a:t>\Calculator\Facades</a:t>
-            </a:r>
+              <a:t>\Calculator\Facades;</a:t>
+            </a:r>
+          </a:p>
+          <a:p>
             <a:r>
               <a:rPr lang="en-US" sz="1400" dirty="0" smtClean="0">
                 <a:latin typeface="Courier New" pitchFamily="49" charset="0"/>
                 <a:cs typeface="Courier New" pitchFamily="49" charset="0"/>
               </a:rPr>
-              <a:t>;</a:t>
+              <a:t> </a:t>
             </a:r>
           </a:p>
           <a:p>
@@ -7434,6 +7353,15 @@
                 <a:latin typeface="Courier New" pitchFamily="49" charset="0"/>
                 <a:cs typeface="Courier New" pitchFamily="49" charset="0"/>
               </a:rPr>
+              <a:t>use Illuminate\Support\Facades\Facade;</a:t>
+            </a:r>
+          </a:p>
+          <a:p>
+            <a:r>
+              <a:rPr lang="en-US" sz="1400" dirty="0" smtClean="0">
+                <a:latin typeface="Courier New" pitchFamily="49" charset="0"/>
+                <a:cs typeface="Courier New" pitchFamily="49" charset="0"/>
+              </a:rPr>
               <a:t> </a:t>
             </a:r>
           </a:p>
@@ -7443,7 +7371,7 @@
                 <a:latin typeface="Courier New" pitchFamily="49" charset="0"/>
                 <a:cs typeface="Courier New" pitchFamily="49" charset="0"/>
               </a:rPr>
-              <a:t>use Illuminate\Support\Facades\Facade;</a:t>
+              <a:t>class Calculator extends Facade {</a:t>
             </a:r>
           </a:p>
           <a:p>
@@ -7452,74 +7380,31 @@
                 <a:latin typeface="Courier New" pitchFamily="49" charset="0"/>
                 <a:cs typeface="Courier New" pitchFamily="49" charset="0"/>
               </a:rPr>
-              <a:t> </a:t>
-            </a:r>
-          </a:p>
-          <a:p>
+              <a:t>   protected static function </a:t>
+            </a:r>
+            <a:r>
+              <a:rPr lang="en-US" sz="1400" dirty="0" err="1" smtClean="0">
+                <a:latin typeface="Courier New" pitchFamily="49" charset="0"/>
+                <a:cs typeface="Courier New" pitchFamily="49" charset="0"/>
+              </a:rPr>
+              <a:t>getFacadeAccessor</a:t>
+            </a:r>
             <a:r>
               <a:rPr lang="en-US" sz="1400" dirty="0" smtClean="0">
                 <a:latin typeface="Courier New" pitchFamily="49" charset="0"/>
                 <a:cs typeface="Courier New" pitchFamily="49" charset="0"/>
               </a:rPr>
-              <a:t>class Calculator</a:t>
-            </a:r>
+              <a:t>() { return ‘calculator'; }</a:t>
+            </a:r>
+          </a:p>
+          <a:p>
             <a:r>
               <a:rPr lang="en-US" sz="1400" dirty="0" smtClean="0">
                 <a:latin typeface="Courier New" pitchFamily="49" charset="0"/>
                 <a:cs typeface="Courier New" pitchFamily="49" charset="0"/>
               </a:rPr>
-              <a:t> </a:t>
-            </a:r>
-            <a:r>
-              <a:rPr lang="en-US" sz="1400" dirty="0" smtClean="0">
-                <a:latin typeface="Courier New" pitchFamily="49" charset="0"/>
-                <a:cs typeface="Courier New" pitchFamily="49" charset="0"/>
-              </a:rPr>
-              <a:t>extends Facade {</a:t>
-            </a:r>
-          </a:p>
-          <a:p>
-            <a:r>
-              <a:rPr lang="en-US" sz="1400" dirty="0" smtClean="0">
-                <a:latin typeface="Courier New" pitchFamily="49" charset="0"/>
-                <a:cs typeface="Courier New" pitchFamily="49" charset="0"/>
-              </a:rPr>
-              <a:t>   protected static function </a:t>
-            </a:r>
-            <a:r>
-              <a:rPr lang="en-US" sz="1400" dirty="0" err="1" smtClean="0">
-                <a:latin typeface="Courier New" pitchFamily="49" charset="0"/>
-                <a:cs typeface="Courier New" pitchFamily="49" charset="0"/>
-              </a:rPr>
-              <a:t>getFacadeAccessor</a:t>
-            </a:r>
-            <a:r>
-              <a:rPr lang="en-US" sz="1400" dirty="0" smtClean="0">
-                <a:latin typeface="Courier New" pitchFamily="49" charset="0"/>
-                <a:cs typeface="Courier New" pitchFamily="49" charset="0"/>
-              </a:rPr>
-              <a:t>() { return </a:t>
-            </a:r>
-            <a:r>
-              <a:rPr lang="en-US" sz="1400" dirty="0" smtClean="0">
-                <a:latin typeface="Courier New" pitchFamily="49" charset="0"/>
-                <a:cs typeface="Courier New" pitchFamily="49" charset="0"/>
-              </a:rPr>
-              <a:t>‘calculator'; }</a:t>
-            </a:r>
-          </a:p>
-          <a:p>
-            <a:r>
-              <a:rPr lang="en-US" sz="1400" dirty="0" smtClean="0">
-                <a:latin typeface="Courier New" pitchFamily="49" charset="0"/>
-                <a:cs typeface="Courier New" pitchFamily="49" charset="0"/>
-              </a:rPr>
               <a:t>}</a:t>
             </a:r>
-            <a:endParaRPr lang="en-US" sz="1400" dirty="0" smtClean="0">
-              <a:latin typeface="Courier New" pitchFamily="49" charset="0"/>
-              <a:cs typeface="Courier New" pitchFamily="49" charset="0"/>
-            </a:endParaRPr>
           </a:p>
         </p:txBody>
       </p:sp>
@@ -7554,14 +7439,7 @@
                 <a:latin typeface="Courier New" pitchFamily="49" charset="0"/>
                 <a:cs typeface="Courier New" pitchFamily="49" charset="0"/>
               </a:rPr>
-              <a:t>'Calculator‘ =&gt; </a:t>
-            </a:r>
-            <a:r>
-              <a:rPr lang="en-US" sz="1400" dirty="0" smtClean="0">
-                <a:latin typeface="Courier New" pitchFamily="49" charset="0"/>
-                <a:cs typeface="Courier New" pitchFamily="49" charset="0"/>
-              </a:rPr>
-              <a:t>'</a:t>
+              <a:t>'Calculator‘ =&gt; '</a:t>
             </a:r>
             <a:r>
               <a:rPr lang="en-US" sz="1400" dirty="0" err="1" smtClean="0">
@@ -7795,19 +7673,8 @@
                 <a:latin typeface="Courier New" pitchFamily="49" charset="0"/>
                 <a:cs typeface="Courier New" pitchFamily="49" charset="0"/>
               </a:rPr>
-              <a:t>e</a:t>
-            </a:r>
-            <a:r>
-              <a:rPr lang="en-US" sz="1400" dirty="0" smtClean="0">
-                <a:latin typeface="Courier New" pitchFamily="49" charset="0"/>
-                <a:cs typeface="Courier New" pitchFamily="49" charset="0"/>
-              </a:rPr>
-              <a:t>cho Calculator::add(4, 5);</a:t>
-            </a:r>
-            <a:endParaRPr lang="en-US" sz="1400" dirty="0" smtClean="0">
-              <a:latin typeface="Courier New" pitchFamily="49" charset="0"/>
-              <a:cs typeface="Courier New" pitchFamily="49" charset="0"/>
-            </a:endParaRPr>
+              <a:t>echo Calculator::add(4, 5);</a:t>
+            </a:r>
           </a:p>
         </p:txBody>
       </p:sp>
@@ -7896,7 +7763,6 @@
               <a:rPr lang="en-US" dirty="0" smtClean="0"/>
               <a:t> and Mockery</a:t>
             </a:r>
-            <a:endParaRPr lang="en-US" dirty="0" smtClean="0"/>
           </a:p>
           <a:p>
             <a:pPr lvl="1"/>
@@ -7930,11 +7796,7 @@
             </a:r>
             <a:r>
               <a:rPr lang="en-US" dirty="0" smtClean="0"/>
-              <a:t> </a:t>
-            </a:r>
-            <a:r>
-              <a:rPr lang="en-US" dirty="0" smtClean="0"/>
-              <a:t>to install new dependencies</a:t>
+              <a:t> to install new dependencies</a:t>
             </a:r>
             <a:endParaRPr lang="th-TH" dirty="0"/>
           </a:p>
@@ -7971,23 +7833,30 @@
                 <a:latin typeface="Courier New" pitchFamily="49" charset="0"/>
                 <a:cs typeface="Courier New" pitchFamily="49" charset="0"/>
               </a:rPr>
-              <a:t>"require-dev": </a:t>
-            </a:r>
+              <a:t>"require-dev": {</a:t>
+            </a:r>
+          </a:p>
+          <a:p>
             <a:r>
               <a:rPr lang="en-US" sz="1400" dirty="0" smtClean="0">
                 <a:latin typeface="Courier New" pitchFamily="49" charset="0"/>
                 <a:cs typeface="Courier New" pitchFamily="49" charset="0"/>
               </a:rPr>
-              <a:t>{</a:t>
-            </a:r>
-          </a:p>
-          <a:p>
+              <a:t>  "</a:t>
+            </a:r>
+            <a:r>
+              <a:rPr lang="en-US" sz="1400" dirty="0" err="1" smtClean="0">
+                <a:latin typeface="Courier New" pitchFamily="49" charset="0"/>
+                <a:cs typeface="Courier New" pitchFamily="49" charset="0"/>
+              </a:rPr>
+              <a:t>phpunit</a:t>
+            </a:r>
             <a:r>
               <a:rPr lang="en-US" sz="1400" dirty="0" smtClean="0">
                 <a:latin typeface="Courier New" pitchFamily="49" charset="0"/>
                 <a:cs typeface="Courier New" pitchFamily="49" charset="0"/>
               </a:rPr>
-              <a:t>  "</a:t>
+              <a:t>/</a:t>
             </a:r>
             <a:r>
               <a:rPr lang="en-US" sz="1400" dirty="0" err="1" smtClean="0">
@@ -8001,21 +7870,16 @@
                 <a:latin typeface="Courier New" pitchFamily="49" charset="0"/>
                 <a:cs typeface="Courier New" pitchFamily="49" charset="0"/>
               </a:rPr>
-              <a:t>/</a:t>
-            </a:r>
-            <a:r>
-              <a:rPr lang="en-US" sz="1400" dirty="0" err="1" smtClean="0">
-                <a:latin typeface="Courier New" pitchFamily="49" charset="0"/>
-                <a:cs typeface="Courier New" pitchFamily="49" charset="0"/>
-              </a:rPr>
-              <a:t>phpunit</a:t>
-            </a:r>
+              <a:t>": "3.7.*",</a:t>
+            </a:r>
+          </a:p>
+          <a:p>
             <a:r>
               <a:rPr lang="en-US" sz="1400" dirty="0" smtClean="0">
                 <a:latin typeface="Courier New" pitchFamily="49" charset="0"/>
                 <a:cs typeface="Courier New" pitchFamily="49" charset="0"/>
               </a:rPr>
-              <a:t>": "3.7.*",</a:t>
+              <a:t>  "mockery/mockery": "dev-master"</a:t>
             </a:r>
           </a:p>
           <a:p>
@@ -8024,35 +7888,8 @@
                 <a:latin typeface="Courier New" pitchFamily="49" charset="0"/>
                 <a:cs typeface="Courier New" pitchFamily="49" charset="0"/>
               </a:rPr>
-              <a:t>  </a:t>
-            </a:r>
-            <a:r>
-              <a:rPr lang="en-US" sz="1400" dirty="0" smtClean="0">
-                <a:latin typeface="Courier New" pitchFamily="49" charset="0"/>
-                <a:cs typeface="Courier New" pitchFamily="49" charset="0"/>
-              </a:rPr>
-              <a:t>"</a:t>
-            </a:r>
-            <a:r>
-              <a:rPr lang="en-US" sz="1400" dirty="0" smtClean="0">
-                <a:latin typeface="Courier New" pitchFamily="49" charset="0"/>
-                <a:cs typeface="Courier New" pitchFamily="49" charset="0"/>
-              </a:rPr>
-              <a:t>mockery/mockery": "dev-master"</a:t>
-            </a:r>
-          </a:p>
-          <a:p>
-            <a:r>
-              <a:rPr lang="en-US" sz="1400" dirty="0" smtClean="0">
-                <a:latin typeface="Courier New" pitchFamily="49" charset="0"/>
-                <a:cs typeface="Courier New" pitchFamily="49" charset="0"/>
-              </a:rPr>
               <a:t>},</a:t>
             </a:r>
-            <a:endParaRPr lang="en-US" sz="1400" dirty="0" smtClean="0">
-              <a:latin typeface="Courier New" pitchFamily="49" charset="0"/>
-              <a:cs typeface="Courier New" pitchFamily="49" charset="0"/>
-            </a:endParaRPr>
           </a:p>
         </p:txBody>
       </p:sp>
@@ -8230,14 +8067,7 @@
                 <a:latin typeface="Courier New" pitchFamily="49" charset="0"/>
                 <a:cs typeface="Courier New" pitchFamily="49" charset="0"/>
               </a:rPr>
-              <a:t>\Calculator\Calculator</a:t>
-            </a:r>
-            <a:r>
-              <a:rPr lang="en-US" sz="1400" dirty="0" smtClean="0">
-                <a:latin typeface="Courier New" pitchFamily="49" charset="0"/>
-                <a:cs typeface="Courier New" pitchFamily="49" charset="0"/>
-              </a:rPr>
-              <a:t>;</a:t>
+              <a:t>\Calculator\Calculator;</a:t>
             </a:r>
           </a:p>
           <a:p>
@@ -8462,10 +8292,6 @@
               <a:rPr lang="en-US" dirty="0" smtClean="0"/>
               <a:t>Run your first test by command line:</a:t>
             </a:r>
-            <a:r>
-              <a:rPr lang="en-US" dirty="0" smtClean="0"/>
-              <a:t/>
-            </a:r>
             <a:br>
               <a:rPr lang="en-US" dirty="0" smtClean="0"/>
             </a:br>
@@ -8521,14 +8347,7 @@
                 <a:latin typeface="Courier New" pitchFamily="49" charset="0"/>
                 <a:cs typeface="Courier New" pitchFamily="49" charset="0"/>
               </a:rPr>
-              <a:t> </a:t>
-            </a:r>
-            <a:r>
-              <a:rPr lang="en-US" sz="1400" dirty="0" smtClean="0">
-                <a:latin typeface="Courier New" pitchFamily="49" charset="0"/>
-                <a:cs typeface="Courier New" pitchFamily="49" charset="0"/>
-              </a:rPr>
-              <a:t>.\workbench\</a:t>
+              <a:t> .\workbench\</a:t>
             </a:r>
             <a:r>
               <a:rPr lang="en-US" sz="1400" dirty="0" err="1" smtClean="0">
@@ -8737,11 +8556,7 @@
           <a:p>
             <a:r>
               <a:rPr lang="en-US" dirty="0" smtClean="0"/>
-              <a:t>http://culttt.com/2013/06/24/creating-a-laravel-4-package</a:t>
-            </a:r>
-            <a:r>
-              <a:rPr lang="en-US" dirty="0" smtClean="0"/>
-              <a:t>/</a:t>
+              <a:t>http://culttt.com/2013/06/24/creating-a-laravel-4-package/</a:t>
             </a:r>
           </a:p>
           <a:p>
@@ -8749,7 +8564,6 @@
               <a:rPr lang="en-US" dirty="0" smtClean="0"/>
               <a:t>https://github.com/padraic/mockery</a:t>
             </a:r>
-            <a:endParaRPr lang="en-US" dirty="0" smtClean="0"/>
           </a:p>
         </p:txBody>
       </p:sp>
@@ -8824,6 +8638,68 @@
           </a:xfrm>
         </p:spPr>
       </p:pic>
+      <p:sp>
+        <p:nvSpPr>
+          <p:cNvPr id="4" name="TextBox 3"/>
+          <p:cNvSpPr txBox="1"/>
+          <p:nvPr/>
+        </p:nvSpPr>
+        <p:spPr>
+          <a:xfrm>
+            <a:off x="251520" y="6237312"/>
+            <a:ext cx="7239482" cy="307777"/>
+          </a:xfrm>
+          <a:prstGeom prst="rect">
+            <a:avLst/>
+          </a:prstGeom>
+          <a:noFill/>
+        </p:spPr>
+        <p:txBody>
+          <a:bodyPr wrap="none" rtlCol="0">
+            <a:spAutoFit/>
+          </a:bodyPr>
+          <a:lstStyle/>
+          <a:p>
+            <a:r>
+              <a:rPr lang="en-US" sz="1400" dirty="0" smtClean="0">
+                <a:solidFill>
+                  <a:schemeClr val="bg1"/>
+                </a:solidFill>
+              </a:rPr>
+              <a:t>Image courtesy of Bruno </a:t>
+            </a:r>
+            <a:r>
+              <a:rPr lang="en-US" sz="1400" dirty="0" err="1" smtClean="0">
+                <a:solidFill>
+                  <a:schemeClr val="bg1"/>
+                </a:solidFill>
+              </a:rPr>
+              <a:t>Skvorc</a:t>
+            </a:r>
+            <a:r>
+              <a:rPr lang="en-US" sz="1400" dirty="0" smtClean="0">
+                <a:solidFill>
+                  <a:schemeClr val="bg1"/>
+                </a:solidFill>
+              </a:rPr>
+              <a:t> : http</a:t>
+            </a:r>
+            <a:r>
+              <a:rPr lang="en-US" sz="1400" dirty="0" smtClean="0">
+                <a:solidFill>
+                  <a:schemeClr val="bg1"/>
+                </a:solidFill>
+              </a:rPr>
+              <a:t>://www.sitepoint.com/best-php-frameworks-2014/</a:t>
+            </a:r>
+            <a:endParaRPr lang="th-TH" sz="1400" dirty="0">
+              <a:solidFill>
+                <a:schemeClr val="bg1"/>
+              </a:solidFill>
+            </a:endParaRPr>
+          </a:p>
+        </p:txBody>
+      </p:sp>
     </p:spTree>
   </p:cSld>
   <p:clrMapOvr>
